--- a/文档/交付文档模板/12.项目汇报答辩（不限模板与格式）.pptx
+++ b/文档/交付文档模板/12.项目汇报答辩（不限模板与格式）.pptx
@@ -169,7 +169,7 @@
   </p:defaultTextStyle>
   <p:extLst>
     <p:ext uri="{EFAFB233-063F-42B5-8137-9DF3F51BA10A}">
-      <p15:sldGuideLst xmlns:p15="http://schemas.microsoft.com/office/powerpoint/2012/main">
+      <p15:sldGuideLst xmlns:p15="http://schemas.microsoft.com/office/powerpoint/2012/main" xmlns="">
         <p15:guide id="1" orient="horz" pos="2160">
           <p15:clr>
             <a:srgbClr val="A4A3A4"/>
@@ -482,6 +482,11 @@
         </p:txBody>
       </p:sp>
     </p:spTree>
+    <p:extLst>
+      <p:ext uri="{BB962C8B-B14F-4D97-AF65-F5344CB8AC3E}">
+        <p14:creationId xmlns:p14="http://schemas.microsoft.com/office/powerpoint/2010/main" val="2798075062"/>
+      </p:ext>
+    </p:extLst>
   </p:cSld>
   <p:clrMap bg1="lt1" tx1="dk1" bg2="lt2" tx2="dk2" accent1="accent1" accent2="accent2" accent3="accent3" accent4="accent4" accent5="accent5" accent6="accent6" hlink="hlink" folHlink="folHlink"/>
   <p:notesStyle>
@@ -34293,7 +34298,7 @@
         </p:nvSpPr>
         <p:spPr>
           <a:xfrm>
-            <a:off x="692150" y="1901825"/>
+            <a:off x="565944" y="1978025"/>
             <a:ext cx="3568700" cy="2559050"/>
           </a:xfrm>
           <a:prstGeom prst="rect">
@@ -38777,7 +38782,7 @@
   </a:extraClrSchemeLst>
   <a:extLst>
     <a:ext uri="{05A4C25C-085E-4340-85A3-A5531E510DB2}">
-      <thm15:themeFamily xmlns:thm15="http://schemas.microsoft.com/office/thememl/2012/main" name="Office Theme" id="{62F939B6-93AF-4DB8-9C6B-D6C7DFDC589F}" vid="{4A3C46E8-61CC-4603-A589-7422A47A8E4A}"/>
+      <thm15:themeFamily xmlns:thm15="http://schemas.microsoft.com/office/thememl/2012/main" xmlns="" name="Office Theme" id="{62F939B6-93AF-4DB8-9C6B-D6C7DFDC589F}" vid="{4A3C46E8-61CC-4603-A589-7422A47A8E4A}"/>
     </a:ext>
   </a:extLst>
 </a:theme>
@@ -39164,7 +39169,7 @@
   </a:extraClrSchemeLst>
   <a:extLst>
     <a:ext uri="{05A4C25C-085E-4340-85A3-A5531E510DB2}">
-      <thm15:themeFamily xmlns:thm15="http://schemas.microsoft.com/office/thememl/2012/main" name="Office Theme" id="{62F939B6-93AF-4DB8-9C6B-D6C7DFDC589F}" vid="{4A3C46E8-61CC-4603-A589-7422A47A8E4A}"/>
+      <thm15:themeFamily xmlns:thm15="http://schemas.microsoft.com/office/thememl/2012/main" xmlns="" name="Office Theme" id="{62F939B6-93AF-4DB8-9C6B-D6C7DFDC589F}" vid="{4A3C46E8-61CC-4603-A589-7422A47A8E4A}"/>
     </a:ext>
   </a:extLst>
 </a:theme>
@@ -39551,7 +39556,7 @@
   </a:extraClrSchemeLst>
   <a:extLst>
     <a:ext uri="{05A4C25C-085E-4340-85A3-A5531E510DB2}">
-      <thm15:themeFamily xmlns:thm15="http://schemas.microsoft.com/office/thememl/2012/main" name="Office Theme" id="{62F939B6-93AF-4DB8-9C6B-D6C7DFDC589F}" vid="{4A3C46E8-61CC-4603-A589-7422A47A8E4A}"/>
+      <thm15:themeFamily xmlns:thm15="http://schemas.microsoft.com/office/thememl/2012/main" xmlns="" name="Office Theme" id="{62F939B6-93AF-4DB8-9C6B-D6C7DFDC589F}" vid="{4A3C46E8-61CC-4603-A589-7422A47A8E4A}"/>
     </a:ext>
   </a:extLst>
 </a:theme>
@@ -39841,7 +39846,7 @@
   <a:extraClrSchemeLst/>
   <a:extLst>
     <a:ext uri="{05A4C25C-085E-4340-85A3-A5531E510DB2}">
-      <thm15:themeFamily xmlns:thm15="http://schemas.microsoft.com/office/thememl/2012/main" name="Office Theme" id="{62F939B6-93AF-4DB8-9C6B-D6C7DFDC589F}" vid="{4A3C46E8-61CC-4603-A589-7422A47A8E4A}"/>
+      <thm15:themeFamily xmlns:thm15="http://schemas.microsoft.com/office/thememl/2012/main" xmlns="" name="Office Theme" id="{62F939B6-93AF-4DB8-9C6B-D6C7DFDC589F}" vid="{4A3C46E8-61CC-4603-A589-7422A47A8E4A}"/>
     </a:ext>
   </a:extLst>
 </a:theme>
